--- a/리눅스 운영파트/실습 환경 구축하기.pptx
+++ b/리눅스 운영파트/실습 환경 구축하기.pptx
@@ -28,27 +28,27 @@
   <p:notesSz cx="6858000" cy="9144000"/>
   <p:embeddedFontLst>
     <p:embeddedFont>
-      <p:font typeface="나눔스퀘어 Bold" panose="020B0600000101010101" pitchFamily="34" charset="-127"/>
+      <p:font typeface="맑은 고딕" panose="020B0503020000020004" pitchFamily="34" charset="-127"/>
       <p:regular r:id="rId18"/>
       <p:bold r:id="rId19"/>
-      <p:italic r:id="rId20"/>
-      <p:boldItalic r:id="rId21"/>
-    </p:embeddedFont>
-    <p:embeddedFont>
-      <p:font typeface="나눔스퀘어 ExtraBold" panose="020B0600000101010101" pitchFamily="34" charset="-127"/>
-      <p:regular r:id="rId22"/>
-      <p:bold r:id="rId23"/>
-      <p:italic r:id="rId24"/>
-      <p:boldItalic r:id="rId25"/>
-    </p:embeddedFont>
-    <p:embeddedFont>
-      <p:font typeface="맑은 고딕" panose="020B0503020000020004" pitchFamily="34" charset="-127"/>
-      <p:regular r:id="rId26"/>
-      <p:bold r:id="rId27"/>
     </p:embeddedFont>
     <p:embeddedFont>
       <p:font typeface="나눔스퀘어" panose="020B0600000101010101" pitchFamily="34" charset="-127"/>
-      <p:regular r:id="rId28"/>
+      <p:regular r:id="rId20"/>
+    </p:embeddedFont>
+    <p:embeddedFont>
+      <p:font typeface="나눔스퀘어 Bold" panose="020F0502020204030204" pitchFamily="34" charset="0"/>
+      <p:regular r:id="rId21"/>
+      <p:bold r:id="rId22"/>
+      <p:italic r:id="rId23"/>
+      <p:boldItalic r:id="rId24"/>
+    </p:embeddedFont>
+    <p:embeddedFont>
+      <p:font typeface="나눔스퀘어 ExtraBold" panose="020F0502020204030204" pitchFamily="34" charset="0"/>
+      <p:regular r:id="rId25"/>
+      <p:bold r:id="rId26"/>
+      <p:italic r:id="rId27"/>
+      <p:boldItalic r:id="rId28"/>
     </p:embeddedFont>
   </p:embeddedFontLst>
   <p:defaultTextStyle>
@@ -236,7 +236,7 @@
           <a:p>
             <a:fld id="{65D23535-CF18-473F-8142-07227A8BCF11}" type="datetimeFigureOut">
               <a:rPr lang="ko-KR" altLang="en-US" smtClean="0"/>
-              <a:t>2022. 12. 21.</a:t>
+              <a:t>2022. 12. 28.</a:t>
             </a:fld>
             <a:endParaRPr lang="ko-KR" altLang="en-US"/>
           </a:p>
@@ -1913,14 +1913,14 @@
       </p:grpSpPr>
       <p:sp>
         <p:nvSpPr>
-          <p:cNvPr id="15" name="TextBox 14"/>
+          <p:cNvPr id="16" name="TextBox 15"/>
           <p:cNvSpPr txBox="1"/>
           <p:nvPr/>
         </p:nvSpPr>
         <p:spPr>
           <a:xfrm>
-            <a:off x="10781242" y="76824"/>
-            <a:ext cx="1335622" cy="323165"/>
+            <a:off x="0" y="107601"/>
+            <a:ext cx="2202847" cy="584775"/>
           </a:xfrm>
           <a:prstGeom prst="rect">
             <a:avLst/>
@@ -1935,93 +1935,7 @@
           <a:p>
             <a:pPr algn="ctr"/>
             <a:r>
-              <a:rPr lang="en-US" altLang="ko-KR" sz="900" b="1" dirty="0">
-                <a:ln w="22225">
-                  <a:noFill/>
-                </a:ln>
-                <a:solidFill>
-                  <a:schemeClr val="bg1"/>
-                </a:solidFill>
-                <a:effectLst>
-                  <a:glow rad="88900">
-                    <a:srgbClr val="E3781F">
-                      <a:alpha val="7000"/>
-                    </a:srgbClr>
-                  </a:glow>
-                </a:effectLst>
-                <a:latin typeface="나눔스퀘어" panose="020B0600000101010101" pitchFamily="50" charset="-127"/>
-                <a:ea typeface="나눔스퀘어" panose="020B0600000101010101" pitchFamily="50" charset="-127"/>
-              </a:rPr>
-              <a:t>Power Point Template</a:t>
-            </a:r>
-          </a:p>
-          <a:p>
-            <a:pPr algn="ctr"/>
-            <a:r>
-              <a:rPr lang="en-US" altLang="ko-KR" sz="600" dirty="0" err="1">
-                <a:ln w="22225">
-                  <a:noFill/>
-                </a:ln>
-                <a:solidFill>
-                  <a:schemeClr val="bg1"/>
-                </a:solidFill>
-                <a:effectLst>
-                  <a:glow rad="88900">
-                    <a:srgbClr val="E3781F">
-                      <a:alpha val="7000"/>
-                    </a:srgbClr>
-                  </a:glow>
-                </a:effectLst>
-                <a:latin typeface="나눔스퀘어" panose="020B0600000101010101" pitchFamily="50" charset="-127"/>
-                <a:ea typeface="나눔스퀘어" panose="020B0600000101010101" pitchFamily="50" charset="-127"/>
-              </a:rPr>
-              <a:t>Ponybuhagom</a:t>
-            </a:r>
-            <a:endParaRPr lang="en-US" altLang="ko-KR" sz="600" dirty="0">
-              <a:ln w="22225">
-                <a:noFill/>
-              </a:ln>
-              <a:solidFill>
-                <a:schemeClr val="bg1"/>
-              </a:solidFill>
-              <a:effectLst>
-                <a:glow rad="88900">
-                  <a:srgbClr val="E3781F">
-                    <a:alpha val="7000"/>
-                  </a:srgbClr>
-                </a:glow>
-              </a:effectLst>
-              <a:latin typeface="나눔스퀘어" panose="020B0600000101010101" pitchFamily="50" charset="-127"/>
-              <a:ea typeface="나눔스퀘어" panose="020B0600000101010101" pitchFamily="50" charset="-127"/>
-            </a:endParaRPr>
-          </a:p>
-        </p:txBody>
-      </p:sp>
-      <p:sp>
-        <p:nvSpPr>
-          <p:cNvPr id="16" name="TextBox 15"/>
-          <p:cNvSpPr txBox="1"/>
-          <p:nvPr/>
-        </p:nvSpPr>
-        <p:spPr>
-          <a:xfrm>
-            <a:off x="182834" y="239909"/>
-            <a:ext cx="2048959" cy="461665"/>
-          </a:xfrm>
-          <a:prstGeom prst="rect">
-            <a:avLst/>
-          </a:prstGeom>
-          <a:noFill/>
-        </p:spPr>
-        <p:txBody>
-          <a:bodyPr wrap="none" rtlCol="0">
-            <a:spAutoFit/>
-          </a:bodyPr>
-          <a:lstStyle/>
-          <a:p>
-            <a:pPr algn="ctr"/>
-            <a:r>
-              <a:rPr lang="en-US" altLang="ko-KR" sz="2400" spc="-150" dirty="0">
+              <a:rPr lang="en-US" altLang="ko-KR" sz="3200" spc="-150" dirty="0">
                 <a:solidFill>
                   <a:srgbClr val="FFFFFF"/>
                 </a:solidFill>
@@ -2029,6 +1943,16 @@
                 <a:ea typeface="나눔스퀘어 Bold" panose="020B0600000101010101" pitchFamily="50" charset="-127"/>
               </a:rPr>
               <a:t>0</a:t>
+            </a:r>
+            <a:r>
+              <a:rPr lang="en-US" altLang="ko-KR" sz="3200" b="1" spc="-150" dirty="0">
+                <a:solidFill>
+                  <a:srgbClr val="FFFFFF"/>
+                </a:solidFill>
+                <a:latin typeface="나눔스퀘어 Bold" panose="020B0600000101010101" pitchFamily="50" charset="-127"/>
+                <a:ea typeface="나눔스퀘어 Bold" panose="020B0600000101010101" pitchFamily="50" charset="-127"/>
+              </a:rPr>
+              <a:t>4 </a:t>
             </a:r>
             <a:r>
               <a:rPr lang="en-US" altLang="ko-KR" sz="2400" b="1" spc="-150" dirty="0">
@@ -2038,7 +1962,7 @@
                 <a:latin typeface="나눔스퀘어 Bold" panose="020B0600000101010101" pitchFamily="50" charset="-127"/>
                 <a:ea typeface="나눔스퀘어 Bold" panose="020B0600000101010101" pitchFamily="50" charset="-127"/>
               </a:rPr>
-              <a:t>4 </a:t>
+              <a:t> </a:t>
             </a:r>
             <a:r>
               <a:rPr lang="ko-KR" altLang="en-US" sz="2400" b="1" spc="-150" dirty="0">
@@ -2297,14 +2221,14 @@
       </p:grpSpPr>
       <p:sp>
         <p:nvSpPr>
-          <p:cNvPr id="15" name="TextBox 14"/>
+          <p:cNvPr id="16" name="TextBox 15"/>
           <p:cNvSpPr txBox="1"/>
           <p:nvPr/>
         </p:nvSpPr>
         <p:spPr>
           <a:xfrm>
-            <a:off x="10781242" y="76824"/>
-            <a:ext cx="1335622" cy="323165"/>
+            <a:off x="0" y="107601"/>
+            <a:ext cx="2178803" cy="584775"/>
           </a:xfrm>
           <a:prstGeom prst="rect">
             <a:avLst/>
@@ -2319,93 +2243,7 @@
           <a:p>
             <a:pPr algn="ctr"/>
             <a:r>
-              <a:rPr lang="en-US" altLang="ko-KR" sz="900" b="1" dirty="0">
-                <a:ln w="22225">
-                  <a:noFill/>
-                </a:ln>
-                <a:solidFill>
-                  <a:schemeClr val="bg1"/>
-                </a:solidFill>
-                <a:effectLst>
-                  <a:glow rad="88900">
-                    <a:srgbClr val="E3781F">
-                      <a:alpha val="7000"/>
-                    </a:srgbClr>
-                  </a:glow>
-                </a:effectLst>
-                <a:latin typeface="나눔스퀘어" panose="020B0600000101010101" pitchFamily="50" charset="-127"/>
-                <a:ea typeface="나눔스퀘어" panose="020B0600000101010101" pitchFamily="50" charset="-127"/>
-              </a:rPr>
-              <a:t>Power Point Template</a:t>
-            </a:r>
-          </a:p>
-          <a:p>
-            <a:pPr algn="ctr"/>
-            <a:r>
-              <a:rPr lang="en-US" altLang="ko-KR" sz="600" dirty="0" err="1">
-                <a:ln w="22225">
-                  <a:noFill/>
-                </a:ln>
-                <a:solidFill>
-                  <a:schemeClr val="bg1"/>
-                </a:solidFill>
-                <a:effectLst>
-                  <a:glow rad="88900">
-                    <a:srgbClr val="E3781F">
-                      <a:alpha val="7000"/>
-                    </a:srgbClr>
-                  </a:glow>
-                </a:effectLst>
-                <a:latin typeface="나눔스퀘어" panose="020B0600000101010101" pitchFamily="50" charset="-127"/>
-                <a:ea typeface="나눔스퀘어" panose="020B0600000101010101" pitchFamily="50" charset="-127"/>
-              </a:rPr>
-              <a:t>Ponybuhagom</a:t>
-            </a:r>
-            <a:endParaRPr lang="en-US" altLang="ko-KR" sz="600" dirty="0">
-              <a:ln w="22225">
-                <a:noFill/>
-              </a:ln>
-              <a:solidFill>
-                <a:schemeClr val="bg1"/>
-              </a:solidFill>
-              <a:effectLst>
-                <a:glow rad="88900">
-                  <a:srgbClr val="E3781F">
-                    <a:alpha val="7000"/>
-                  </a:srgbClr>
-                </a:glow>
-              </a:effectLst>
-              <a:latin typeface="나눔스퀘어" panose="020B0600000101010101" pitchFamily="50" charset="-127"/>
-              <a:ea typeface="나눔스퀘어" panose="020B0600000101010101" pitchFamily="50" charset="-127"/>
-            </a:endParaRPr>
-          </a:p>
-        </p:txBody>
-      </p:sp>
-      <p:sp>
-        <p:nvSpPr>
-          <p:cNvPr id="16" name="TextBox 15"/>
-          <p:cNvSpPr txBox="1"/>
-          <p:nvPr/>
-        </p:nvSpPr>
-        <p:spPr>
-          <a:xfrm>
-            <a:off x="182834" y="239909"/>
-            <a:ext cx="2048959" cy="461665"/>
-          </a:xfrm>
-          <a:prstGeom prst="rect">
-            <a:avLst/>
-          </a:prstGeom>
-          <a:noFill/>
-        </p:spPr>
-        <p:txBody>
-          <a:bodyPr wrap="none" rtlCol="0">
-            <a:spAutoFit/>
-          </a:bodyPr>
-          <a:lstStyle/>
-          <a:p>
-            <a:pPr algn="ctr"/>
-            <a:r>
-              <a:rPr lang="en-US" altLang="ko-KR" sz="2400" spc="-150" dirty="0">
+              <a:rPr lang="en-US" altLang="ko-KR" sz="3200" spc="-150" dirty="0">
                 <a:solidFill>
                   <a:srgbClr val="FFFFFF"/>
                 </a:solidFill>
@@ -2413,6 +2251,16 @@
                 <a:ea typeface="나눔스퀘어 Bold" panose="020B0600000101010101" pitchFamily="50" charset="-127"/>
               </a:rPr>
               <a:t>0</a:t>
+            </a:r>
+            <a:r>
+              <a:rPr lang="en-US" altLang="ko-KR" sz="3200" b="1" spc="-150" dirty="0">
+                <a:solidFill>
+                  <a:srgbClr val="FFFFFF"/>
+                </a:solidFill>
+                <a:latin typeface="나눔스퀘어 Bold" panose="020B0600000101010101" pitchFamily="50" charset="-127"/>
+                <a:ea typeface="나눔스퀘어 Bold" panose="020B0600000101010101" pitchFamily="50" charset="-127"/>
+              </a:rPr>
+              <a:t>4 </a:t>
             </a:r>
             <a:r>
               <a:rPr lang="en-US" altLang="ko-KR" sz="2400" b="1" spc="-150" dirty="0">
@@ -2422,7 +2270,7 @@
                 <a:latin typeface="나눔스퀘어 Bold" panose="020B0600000101010101" pitchFamily="50" charset="-127"/>
                 <a:ea typeface="나눔스퀘어 Bold" panose="020B0600000101010101" pitchFamily="50" charset="-127"/>
               </a:rPr>
-              <a:t>4 </a:t>
+              <a:t> </a:t>
             </a:r>
             <a:r>
               <a:rPr lang="ko-KR" altLang="en-US" sz="2400" b="1" spc="-150" dirty="0">
@@ -2681,14 +2529,14 @@
       </p:grpSpPr>
       <p:sp>
         <p:nvSpPr>
-          <p:cNvPr id="15" name="TextBox 14"/>
+          <p:cNvPr id="16" name="TextBox 15"/>
           <p:cNvSpPr txBox="1"/>
           <p:nvPr/>
         </p:nvSpPr>
         <p:spPr>
           <a:xfrm>
-            <a:off x="10781242" y="76824"/>
-            <a:ext cx="1335622" cy="323165"/>
+            <a:off x="0" y="107601"/>
+            <a:ext cx="2202847" cy="584775"/>
           </a:xfrm>
           <a:prstGeom prst="rect">
             <a:avLst/>
@@ -2703,93 +2551,7 @@
           <a:p>
             <a:pPr algn="ctr"/>
             <a:r>
-              <a:rPr lang="en-US" altLang="ko-KR" sz="900" b="1" dirty="0">
-                <a:ln w="22225">
-                  <a:noFill/>
-                </a:ln>
-                <a:solidFill>
-                  <a:schemeClr val="bg1"/>
-                </a:solidFill>
-                <a:effectLst>
-                  <a:glow rad="88900">
-                    <a:srgbClr val="E3781F">
-                      <a:alpha val="7000"/>
-                    </a:srgbClr>
-                  </a:glow>
-                </a:effectLst>
-                <a:latin typeface="나눔스퀘어" panose="020B0600000101010101" pitchFamily="50" charset="-127"/>
-                <a:ea typeface="나눔스퀘어" panose="020B0600000101010101" pitchFamily="50" charset="-127"/>
-              </a:rPr>
-              <a:t>Power Point Template</a:t>
-            </a:r>
-          </a:p>
-          <a:p>
-            <a:pPr algn="ctr"/>
-            <a:r>
-              <a:rPr lang="en-US" altLang="ko-KR" sz="600" dirty="0" err="1">
-                <a:ln w="22225">
-                  <a:noFill/>
-                </a:ln>
-                <a:solidFill>
-                  <a:schemeClr val="bg1"/>
-                </a:solidFill>
-                <a:effectLst>
-                  <a:glow rad="88900">
-                    <a:srgbClr val="E3781F">
-                      <a:alpha val="7000"/>
-                    </a:srgbClr>
-                  </a:glow>
-                </a:effectLst>
-                <a:latin typeface="나눔스퀘어" panose="020B0600000101010101" pitchFamily="50" charset="-127"/>
-                <a:ea typeface="나눔스퀘어" panose="020B0600000101010101" pitchFamily="50" charset="-127"/>
-              </a:rPr>
-              <a:t>Ponybuhagom</a:t>
-            </a:r>
-            <a:endParaRPr lang="en-US" altLang="ko-KR" sz="600" dirty="0">
-              <a:ln w="22225">
-                <a:noFill/>
-              </a:ln>
-              <a:solidFill>
-                <a:schemeClr val="bg1"/>
-              </a:solidFill>
-              <a:effectLst>
-                <a:glow rad="88900">
-                  <a:srgbClr val="E3781F">
-                    <a:alpha val="7000"/>
-                  </a:srgbClr>
-                </a:glow>
-              </a:effectLst>
-              <a:latin typeface="나눔스퀘어" panose="020B0600000101010101" pitchFamily="50" charset="-127"/>
-              <a:ea typeface="나눔스퀘어" panose="020B0600000101010101" pitchFamily="50" charset="-127"/>
-            </a:endParaRPr>
-          </a:p>
-        </p:txBody>
-      </p:sp>
-      <p:sp>
-        <p:nvSpPr>
-          <p:cNvPr id="16" name="TextBox 15"/>
-          <p:cNvSpPr txBox="1"/>
-          <p:nvPr/>
-        </p:nvSpPr>
-        <p:spPr>
-          <a:xfrm>
-            <a:off x="182834" y="239909"/>
-            <a:ext cx="2048959" cy="461665"/>
-          </a:xfrm>
-          <a:prstGeom prst="rect">
-            <a:avLst/>
-          </a:prstGeom>
-          <a:noFill/>
-        </p:spPr>
-        <p:txBody>
-          <a:bodyPr wrap="none" rtlCol="0">
-            <a:spAutoFit/>
-          </a:bodyPr>
-          <a:lstStyle/>
-          <a:p>
-            <a:pPr algn="ctr"/>
-            <a:r>
-              <a:rPr lang="en-US" altLang="ko-KR" sz="2400" spc="-150" dirty="0">
+              <a:rPr lang="en-US" altLang="ko-KR" sz="3200" spc="-150" dirty="0">
                 <a:solidFill>
                   <a:srgbClr val="FFFFFF"/>
                 </a:solidFill>
@@ -2797,6 +2559,16 @@
                 <a:ea typeface="나눔스퀘어 Bold" panose="020B0600000101010101" pitchFamily="50" charset="-127"/>
               </a:rPr>
               <a:t>0</a:t>
+            </a:r>
+            <a:r>
+              <a:rPr lang="en-US" altLang="ko-KR" sz="3200" b="1" spc="-150" dirty="0">
+                <a:solidFill>
+                  <a:srgbClr val="FFFFFF"/>
+                </a:solidFill>
+                <a:latin typeface="나눔스퀘어 Bold" panose="020B0600000101010101" pitchFamily="50" charset="-127"/>
+                <a:ea typeface="나눔스퀘어 Bold" panose="020B0600000101010101" pitchFamily="50" charset="-127"/>
+              </a:rPr>
+              <a:t>4 </a:t>
             </a:r>
             <a:r>
               <a:rPr lang="en-US" altLang="ko-KR" sz="2400" b="1" spc="-150" dirty="0">
@@ -2806,7 +2578,7 @@
                 <a:latin typeface="나눔스퀘어 Bold" panose="020B0600000101010101" pitchFamily="50" charset="-127"/>
                 <a:ea typeface="나눔스퀘어 Bold" panose="020B0600000101010101" pitchFamily="50" charset="-127"/>
               </a:rPr>
-              <a:t>4 </a:t>
+              <a:t> </a:t>
             </a:r>
             <a:r>
               <a:rPr lang="ko-KR" altLang="en-US" sz="2400" b="1" spc="-150" dirty="0">
@@ -3364,14 +3136,14 @@
       </p:sp>
       <p:sp>
         <p:nvSpPr>
-          <p:cNvPr id="3" name="TextBox 2"/>
+          <p:cNvPr id="4" name="TextBox 3"/>
           <p:cNvSpPr txBox="1"/>
           <p:nvPr/>
         </p:nvSpPr>
         <p:spPr>
           <a:xfrm>
-            <a:off x="4883969" y="3782944"/>
-            <a:ext cx="2424062" cy="430887"/>
+            <a:off x="5412960" y="3782944"/>
+            <a:ext cx="1366080" cy="307777"/>
           </a:xfrm>
           <a:prstGeom prst="rect">
             <a:avLst/>
@@ -3386,76 +3158,35 @@
           <a:p>
             <a:pPr algn="ctr"/>
             <a:r>
-              <a:rPr lang="en-US" altLang="ko-KR" sz="1100" dirty="0">
-                <a:ln w="22225">
-                  <a:noFill/>
-                </a:ln>
-                <a:solidFill>
-                  <a:srgbClr val="6E6F71"/>
-                </a:solidFill>
-                <a:effectLst/>
-                <a:latin typeface="나눔스퀘어" panose="020B0600000101010101" pitchFamily="50" charset="-127"/>
-                <a:ea typeface="나눔스퀘어" panose="020B0600000101010101" pitchFamily="50" charset="-127"/>
-              </a:rPr>
-              <a:t>Ponybuhagom.tistory.com/number</a:t>
-            </a:r>
-          </a:p>
-          <a:p>
-            <a:pPr algn="ctr"/>
-            <a:r>
-              <a:rPr lang="en-US" altLang="ko-KR" sz="1100" dirty="0">
-                <a:ln w="22225">
-                  <a:noFill/>
-                </a:ln>
-                <a:solidFill>
-                  <a:srgbClr val="6E6F71"/>
-                </a:solidFill>
-                <a:effectLst/>
-                <a:latin typeface="나눔스퀘어" panose="020B0600000101010101" pitchFamily="50" charset="-127"/>
-                <a:ea typeface="나눔스퀘어" panose="020B0600000101010101" pitchFamily="50" charset="-127"/>
-              </a:rPr>
-              <a:t>power point template design</a:t>
-            </a:r>
-          </a:p>
-        </p:txBody>
-      </p:sp>
-      <p:sp>
-        <p:nvSpPr>
-          <p:cNvPr id="4" name="TextBox 3"/>
-          <p:cNvSpPr txBox="1"/>
-          <p:nvPr/>
-        </p:nvSpPr>
-        <p:spPr>
-          <a:xfrm>
-            <a:off x="5112689" y="2644170"/>
-            <a:ext cx="1966629" cy="307777"/>
-          </a:xfrm>
-          <a:prstGeom prst="rect">
-            <a:avLst/>
-          </a:prstGeom>
-          <a:noFill/>
-        </p:spPr>
-        <p:txBody>
-          <a:bodyPr wrap="none" rtlCol="0">
-            <a:spAutoFit/>
-          </a:bodyPr>
-          <a:lstStyle/>
-          <a:p>
-            <a:pPr algn="ctr"/>
-            <a:r>
               <a:rPr lang="en-US" altLang="ko-KR" sz="1400" b="1" dirty="0">
                 <a:ln w="22225">
                   <a:noFill/>
                 </a:ln>
-                <a:solidFill>
-                  <a:srgbClr val="94C3BB"/>
-                </a:solidFill>
                 <a:effectLst/>
                 <a:latin typeface="나눔스퀘어" panose="020B0600000101010101" pitchFamily="50" charset="-127"/>
                 <a:ea typeface="나눔스퀘어" panose="020B0600000101010101" pitchFamily="50" charset="-127"/>
               </a:rPr>
-              <a:t>Power Point Template</a:t>
-            </a:r>
+              <a:t>Linux </a:t>
+            </a:r>
+            <a:r>
+              <a:rPr lang="ko-KR" altLang="en-US" sz="1400" b="1" dirty="0">
+                <a:ln w="22225">
+                  <a:noFill/>
+                </a:ln>
+                <a:effectLst/>
+                <a:latin typeface="나눔스퀘어" panose="020B0600000101010101" pitchFamily="50" charset="-127"/>
+                <a:ea typeface="나눔스퀘어" panose="020B0600000101010101" pitchFamily="50" charset="-127"/>
+              </a:rPr>
+              <a:t>운영파트</a:t>
+            </a:r>
+            <a:endParaRPr lang="en-US" altLang="ko-KR" sz="1400" b="1" dirty="0">
+              <a:ln w="22225">
+                <a:noFill/>
+              </a:ln>
+              <a:effectLst/>
+              <a:latin typeface="나눔스퀘어" panose="020B0600000101010101" pitchFamily="50" charset="-127"/>
+              <a:ea typeface="나눔스퀘어" panose="020B0600000101010101" pitchFamily="50" charset="-127"/>
+            </a:endParaRPr>
           </a:p>
         </p:txBody>
       </p:sp>
@@ -3600,74 +3331,6 @@
           </p:txBody>
         </p:sp>
       </p:grpSp>
-      <p:sp>
-        <p:nvSpPr>
-          <p:cNvPr id="17" name="TextBox 16"/>
-          <p:cNvSpPr txBox="1"/>
-          <p:nvPr/>
-        </p:nvSpPr>
-        <p:spPr>
-          <a:xfrm>
-            <a:off x="10781242" y="76824"/>
-            <a:ext cx="1335622" cy="323165"/>
-          </a:xfrm>
-          <a:prstGeom prst="rect">
-            <a:avLst/>
-          </a:prstGeom>
-          <a:noFill/>
-        </p:spPr>
-        <p:txBody>
-          <a:bodyPr wrap="none" rtlCol="0">
-            <a:spAutoFit/>
-          </a:bodyPr>
-          <a:lstStyle/>
-          <a:p>
-            <a:pPr algn="ctr"/>
-            <a:r>
-              <a:rPr lang="en-US" altLang="ko-KR" sz="900" b="1" dirty="0">
-                <a:ln w="22225">
-                  <a:noFill/>
-                </a:ln>
-                <a:solidFill>
-                  <a:srgbClr val="94C3BB"/>
-                </a:solidFill>
-                <a:effectLst/>
-                <a:latin typeface="나눔스퀘어" panose="020B0600000101010101" pitchFamily="50" charset="-127"/>
-                <a:ea typeface="나눔스퀘어" panose="020B0600000101010101" pitchFamily="50" charset="-127"/>
-              </a:rPr>
-              <a:t>Power Point Template</a:t>
-            </a:r>
-          </a:p>
-          <a:p>
-            <a:pPr algn="ctr"/>
-            <a:r>
-              <a:rPr lang="en-US" altLang="ko-KR" sz="600" dirty="0" err="1">
-                <a:ln w="22225">
-                  <a:noFill/>
-                </a:ln>
-                <a:solidFill>
-                  <a:srgbClr val="94C3BB"/>
-                </a:solidFill>
-                <a:effectLst/>
-                <a:latin typeface="나눔스퀘어" panose="020B0600000101010101" pitchFamily="50" charset="-127"/>
-                <a:ea typeface="나눔스퀘어" panose="020B0600000101010101" pitchFamily="50" charset="-127"/>
-              </a:rPr>
-              <a:t>Ponybuhagom</a:t>
-            </a:r>
-            <a:endParaRPr lang="en-US" altLang="ko-KR" sz="600" dirty="0">
-              <a:ln w="22225">
-                <a:noFill/>
-              </a:ln>
-              <a:solidFill>
-                <a:srgbClr val="94C3BB"/>
-              </a:solidFill>
-              <a:effectLst/>
-              <a:latin typeface="나눔스퀘어" panose="020B0600000101010101" pitchFamily="50" charset="-127"/>
-              <a:ea typeface="나눔스퀘어" panose="020B0600000101010101" pitchFamily="50" charset="-127"/>
-            </a:endParaRPr>
-          </a:p>
-        </p:txBody>
-      </p:sp>
       <p:pic>
         <p:nvPicPr>
           <p:cNvPr id="2" name="그림 1">
@@ -3730,14 +3393,14 @@
       </p:grpSpPr>
       <p:sp>
         <p:nvSpPr>
-          <p:cNvPr id="15" name="TextBox 14"/>
+          <p:cNvPr id="16" name="TextBox 15"/>
           <p:cNvSpPr txBox="1"/>
           <p:nvPr/>
         </p:nvSpPr>
         <p:spPr>
           <a:xfrm>
-            <a:off x="10781242" y="76824"/>
-            <a:ext cx="1335622" cy="323165"/>
+            <a:off x="0" y="99258"/>
+            <a:ext cx="1816523" cy="584775"/>
           </a:xfrm>
           <a:prstGeom prst="rect">
             <a:avLst/>
@@ -3752,91 +3415,15 @@
           <a:p>
             <a:pPr algn="ctr"/>
             <a:r>
-              <a:rPr lang="en-US" altLang="ko-KR" sz="900" b="1" dirty="0">
-                <a:ln w="22225">
-                  <a:noFill/>
-                </a:ln>
+              <a:rPr lang="en-US" altLang="ko-KR" sz="3200" spc="-150" dirty="0">
                 <a:solidFill>
-                  <a:schemeClr val="bg1"/>
+                  <a:srgbClr val="FFFFFF"/>
                 </a:solidFill>
-                <a:effectLst>
-                  <a:glow rad="88900">
-                    <a:srgbClr val="E3781F">
-                      <a:alpha val="7000"/>
-                    </a:srgbClr>
-                  </a:glow>
-                </a:effectLst>
-                <a:latin typeface="나눔스퀘어" panose="020B0600000101010101" pitchFamily="50" charset="-127"/>
-                <a:ea typeface="나눔스퀘어" panose="020B0600000101010101" pitchFamily="50" charset="-127"/>
-              </a:rPr>
-              <a:t>Power Point Template</a:t>
-            </a:r>
-          </a:p>
-          <a:p>
-            <a:pPr algn="ctr"/>
-            <a:r>
-              <a:rPr lang="en-US" altLang="ko-KR" sz="600" dirty="0" err="1">
-                <a:ln w="22225">
-                  <a:noFill/>
-                </a:ln>
-                <a:solidFill>
-                  <a:schemeClr val="bg1"/>
-                </a:solidFill>
-                <a:effectLst>
-                  <a:glow rad="88900">
-                    <a:srgbClr val="E3781F">
-                      <a:alpha val="7000"/>
-                    </a:srgbClr>
-                  </a:glow>
-                </a:effectLst>
-                <a:latin typeface="나눔스퀘어" panose="020B0600000101010101" pitchFamily="50" charset="-127"/>
-                <a:ea typeface="나눔스퀘어" panose="020B0600000101010101" pitchFamily="50" charset="-127"/>
-              </a:rPr>
-              <a:t>Ponybuhagom</a:t>
-            </a:r>
-            <a:endParaRPr lang="en-US" altLang="ko-KR" sz="600" dirty="0">
-              <a:ln w="22225">
-                <a:noFill/>
-              </a:ln>
-              <a:solidFill>
-                <a:schemeClr val="bg1"/>
-              </a:solidFill>
-              <a:effectLst>
-                <a:glow rad="88900">
-                  <a:srgbClr val="E3781F">
-                    <a:alpha val="7000"/>
-                  </a:srgbClr>
-                </a:glow>
-              </a:effectLst>
-              <a:latin typeface="나눔스퀘어" panose="020B0600000101010101" pitchFamily="50" charset="-127"/>
-              <a:ea typeface="나눔스퀘어" panose="020B0600000101010101" pitchFamily="50" charset="-127"/>
-            </a:endParaRPr>
-          </a:p>
-        </p:txBody>
-      </p:sp>
-      <p:sp>
-        <p:nvSpPr>
-          <p:cNvPr id="16" name="TextBox 15"/>
-          <p:cNvSpPr txBox="1"/>
-          <p:nvPr/>
-        </p:nvSpPr>
-        <p:spPr>
-          <a:xfrm>
-            <a:off x="344376" y="238406"/>
-            <a:ext cx="1710725" cy="461665"/>
-          </a:xfrm>
-          <a:prstGeom prst="rect">
-            <a:avLst/>
-          </a:prstGeom>
-          <a:noFill/>
-        </p:spPr>
-        <p:txBody>
-          <a:bodyPr wrap="none" rtlCol="0">
-            <a:spAutoFit/>
-          </a:bodyPr>
-          <a:lstStyle/>
-          <a:p>
-            <a:pPr algn="ctr"/>
+                <a:latin typeface="나눔스퀘어 Bold" panose="020B0600000101010101" pitchFamily="50" charset="-127"/>
+                <a:ea typeface="나눔스퀘어 Bold" panose="020B0600000101010101" pitchFamily="50" charset="-127"/>
+              </a:rPr>
+              <a:t>01</a:t>
+            </a:r>
             <a:r>
               <a:rPr lang="en-US" altLang="ko-KR" sz="2400" spc="-150" dirty="0">
                 <a:solidFill>
@@ -3845,7 +3432,7 @@
                 <a:latin typeface="나눔스퀘어 Bold" panose="020B0600000101010101" pitchFamily="50" charset="-127"/>
                 <a:ea typeface="나눔스퀘어 Bold" panose="020B0600000101010101" pitchFamily="50" charset="-127"/>
               </a:rPr>
-              <a:t>01 </a:t>
+              <a:t>  </a:t>
             </a:r>
             <a:r>
               <a:rPr lang="ko-KR" altLang="en-US" sz="2400" spc="-150" dirty="0">
@@ -4097,14 +3684,14 @@
       </p:grpSpPr>
       <p:sp>
         <p:nvSpPr>
-          <p:cNvPr id="15" name="TextBox 14"/>
+          <p:cNvPr id="16" name="TextBox 15"/>
           <p:cNvSpPr txBox="1"/>
           <p:nvPr/>
         </p:nvSpPr>
         <p:spPr>
           <a:xfrm>
-            <a:off x="10781242" y="76824"/>
-            <a:ext cx="1335622" cy="323165"/>
+            <a:off x="0" y="96703"/>
+            <a:ext cx="1816523" cy="584775"/>
           </a:xfrm>
           <a:prstGeom prst="rect">
             <a:avLst/>
@@ -4119,91 +3706,15 @@
           <a:p>
             <a:pPr algn="ctr"/>
             <a:r>
-              <a:rPr lang="en-US" altLang="ko-KR" sz="900" b="1" dirty="0">
-                <a:ln w="22225">
-                  <a:noFill/>
-                </a:ln>
+              <a:rPr lang="en-US" altLang="ko-KR" sz="3200" spc="-150" dirty="0">
                 <a:solidFill>
-                  <a:schemeClr val="bg1"/>
+                  <a:srgbClr val="FFFFFF"/>
                 </a:solidFill>
-                <a:effectLst>
-                  <a:glow rad="88900">
-                    <a:srgbClr val="E3781F">
-                      <a:alpha val="7000"/>
-                    </a:srgbClr>
-                  </a:glow>
-                </a:effectLst>
-                <a:latin typeface="나눔스퀘어" panose="020B0600000101010101" pitchFamily="50" charset="-127"/>
-                <a:ea typeface="나눔스퀘어" panose="020B0600000101010101" pitchFamily="50" charset="-127"/>
-              </a:rPr>
-              <a:t>Power Point Template</a:t>
-            </a:r>
-          </a:p>
-          <a:p>
-            <a:pPr algn="ctr"/>
-            <a:r>
-              <a:rPr lang="en-US" altLang="ko-KR" sz="600" dirty="0" err="1">
-                <a:ln w="22225">
-                  <a:noFill/>
-                </a:ln>
-                <a:solidFill>
-                  <a:schemeClr val="bg1"/>
-                </a:solidFill>
-                <a:effectLst>
-                  <a:glow rad="88900">
-                    <a:srgbClr val="E3781F">
-                      <a:alpha val="7000"/>
-                    </a:srgbClr>
-                  </a:glow>
-                </a:effectLst>
-                <a:latin typeface="나눔스퀘어" panose="020B0600000101010101" pitchFamily="50" charset="-127"/>
-                <a:ea typeface="나눔스퀘어" panose="020B0600000101010101" pitchFamily="50" charset="-127"/>
-              </a:rPr>
-              <a:t>Ponybuhagom</a:t>
-            </a:r>
-            <a:endParaRPr lang="en-US" altLang="ko-KR" sz="600" dirty="0">
-              <a:ln w="22225">
-                <a:noFill/>
-              </a:ln>
-              <a:solidFill>
-                <a:schemeClr val="bg1"/>
-              </a:solidFill>
-              <a:effectLst>
-                <a:glow rad="88900">
-                  <a:srgbClr val="E3781F">
-                    <a:alpha val="7000"/>
-                  </a:srgbClr>
-                </a:glow>
-              </a:effectLst>
-              <a:latin typeface="나눔스퀘어" panose="020B0600000101010101" pitchFamily="50" charset="-127"/>
-              <a:ea typeface="나눔스퀘어" panose="020B0600000101010101" pitchFamily="50" charset="-127"/>
-            </a:endParaRPr>
-          </a:p>
-        </p:txBody>
-      </p:sp>
-      <p:sp>
-        <p:nvSpPr>
-          <p:cNvPr id="16" name="TextBox 15"/>
-          <p:cNvSpPr txBox="1"/>
-          <p:nvPr/>
-        </p:nvSpPr>
-        <p:spPr>
-          <a:xfrm>
-            <a:off x="354313" y="229970"/>
-            <a:ext cx="1710725" cy="461665"/>
-          </a:xfrm>
-          <a:prstGeom prst="rect">
-            <a:avLst/>
-          </a:prstGeom>
-          <a:noFill/>
-        </p:spPr>
-        <p:txBody>
-          <a:bodyPr wrap="none" rtlCol="0">
-            <a:spAutoFit/>
-          </a:bodyPr>
-          <a:lstStyle/>
-          <a:p>
-            <a:pPr algn="ctr"/>
+                <a:latin typeface="나눔스퀘어 Bold" panose="020B0600000101010101" pitchFamily="50" charset="-127"/>
+                <a:ea typeface="나눔스퀘어 Bold" panose="020B0600000101010101" pitchFamily="50" charset="-127"/>
+              </a:rPr>
+              <a:t>01</a:t>
+            </a:r>
             <a:r>
               <a:rPr lang="en-US" altLang="ko-KR" sz="2400" spc="-150" dirty="0">
                 <a:solidFill>
@@ -4212,7 +3723,7 @@
                 <a:latin typeface="나눔스퀘어 Bold" panose="020B0600000101010101" pitchFamily="50" charset="-127"/>
                 <a:ea typeface="나눔스퀘어 Bold" panose="020B0600000101010101" pitchFamily="50" charset="-127"/>
               </a:rPr>
-              <a:t>01 </a:t>
+              <a:t>  </a:t>
             </a:r>
             <a:r>
               <a:rPr lang="ko-KR" altLang="en-US" sz="2400" spc="-150" dirty="0">
@@ -4464,14 +3975,14 @@
       </p:grpSpPr>
       <p:sp>
         <p:nvSpPr>
-          <p:cNvPr id="15" name="TextBox 14"/>
+          <p:cNvPr id="16" name="TextBox 15"/>
           <p:cNvSpPr txBox="1"/>
           <p:nvPr/>
         </p:nvSpPr>
         <p:spPr>
           <a:xfrm>
-            <a:off x="10781242" y="76824"/>
-            <a:ext cx="1335622" cy="323165"/>
+            <a:off x="0" y="76824"/>
+            <a:ext cx="1816523" cy="584775"/>
           </a:xfrm>
           <a:prstGeom prst="rect">
             <a:avLst/>
@@ -4486,91 +3997,15 @@
           <a:p>
             <a:pPr algn="ctr"/>
             <a:r>
-              <a:rPr lang="en-US" altLang="ko-KR" sz="900" b="1" dirty="0">
-                <a:ln w="22225">
-                  <a:noFill/>
-                </a:ln>
+              <a:rPr lang="en-US" altLang="ko-KR" sz="3200" spc="-150" dirty="0">
                 <a:solidFill>
-                  <a:schemeClr val="bg1"/>
+                  <a:srgbClr val="FFFFFF"/>
                 </a:solidFill>
-                <a:effectLst>
-                  <a:glow rad="88900">
-                    <a:srgbClr val="E3781F">
-                      <a:alpha val="7000"/>
-                    </a:srgbClr>
-                  </a:glow>
-                </a:effectLst>
-                <a:latin typeface="나눔스퀘어" panose="020B0600000101010101" pitchFamily="50" charset="-127"/>
-                <a:ea typeface="나눔스퀘어" panose="020B0600000101010101" pitchFamily="50" charset="-127"/>
-              </a:rPr>
-              <a:t>Power Point Template</a:t>
-            </a:r>
-          </a:p>
-          <a:p>
-            <a:pPr algn="ctr"/>
-            <a:r>
-              <a:rPr lang="en-US" altLang="ko-KR" sz="600" dirty="0" err="1">
-                <a:ln w="22225">
-                  <a:noFill/>
-                </a:ln>
-                <a:solidFill>
-                  <a:schemeClr val="bg1"/>
-                </a:solidFill>
-                <a:effectLst>
-                  <a:glow rad="88900">
-                    <a:srgbClr val="E3781F">
-                      <a:alpha val="7000"/>
-                    </a:srgbClr>
-                  </a:glow>
-                </a:effectLst>
-                <a:latin typeface="나눔스퀘어" panose="020B0600000101010101" pitchFamily="50" charset="-127"/>
-                <a:ea typeface="나눔스퀘어" panose="020B0600000101010101" pitchFamily="50" charset="-127"/>
-              </a:rPr>
-              <a:t>Ponybuhagom</a:t>
-            </a:r>
-            <a:endParaRPr lang="en-US" altLang="ko-KR" sz="600" dirty="0">
-              <a:ln w="22225">
-                <a:noFill/>
-              </a:ln>
-              <a:solidFill>
-                <a:schemeClr val="bg1"/>
-              </a:solidFill>
-              <a:effectLst>
-                <a:glow rad="88900">
-                  <a:srgbClr val="E3781F">
-                    <a:alpha val="7000"/>
-                  </a:srgbClr>
-                </a:glow>
-              </a:effectLst>
-              <a:latin typeface="나눔스퀘어" panose="020B0600000101010101" pitchFamily="50" charset="-127"/>
-              <a:ea typeface="나눔스퀘어" panose="020B0600000101010101" pitchFamily="50" charset="-127"/>
-            </a:endParaRPr>
-          </a:p>
-        </p:txBody>
-      </p:sp>
-      <p:sp>
-        <p:nvSpPr>
-          <p:cNvPr id="16" name="TextBox 15"/>
-          <p:cNvSpPr txBox="1"/>
-          <p:nvPr/>
-        </p:nvSpPr>
-        <p:spPr>
-          <a:xfrm>
-            <a:off x="354313" y="229970"/>
-            <a:ext cx="1710725" cy="461665"/>
-          </a:xfrm>
-          <a:prstGeom prst="rect">
-            <a:avLst/>
-          </a:prstGeom>
-          <a:noFill/>
-        </p:spPr>
-        <p:txBody>
-          <a:bodyPr wrap="none" rtlCol="0">
-            <a:spAutoFit/>
-          </a:bodyPr>
-          <a:lstStyle/>
-          <a:p>
-            <a:pPr algn="ctr"/>
+                <a:latin typeface="나눔스퀘어 Bold" panose="020B0600000101010101" pitchFamily="50" charset="-127"/>
+                <a:ea typeface="나눔스퀘어 Bold" panose="020B0600000101010101" pitchFamily="50" charset="-127"/>
+              </a:rPr>
+              <a:t>01</a:t>
+            </a:r>
             <a:r>
               <a:rPr lang="en-US" altLang="ko-KR" sz="2400" spc="-150" dirty="0">
                 <a:solidFill>
@@ -4579,7 +4014,7 @@
                 <a:latin typeface="나눔스퀘어 Bold" panose="020B0600000101010101" pitchFamily="50" charset="-127"/>
                 <a:ea typeface="나눔스퀘어 Bold" panose="020B0600000101010101" pitchFamily="50" charset="-127"/>
               </a:rPr>
-              <a:t>01 </a:t>
+              <a:t>  </a:t>
             </a:r>
             <a:r>
               <a:rPr lang="ko-KR" altLang="en-US" sz="2400" spc="-150" dirty="0">
@@ -5004,14 +4439,14 @@
       </p:grpSpPr>
       <p:sp>
         <p:nvSpPr>
-          <p:cNvPr id="15" name="TextBox 14"/>
+          <p:cNvPr id="16" name="TextBox 15"/>
           <p:cNvSpPr txBox="1"/>
           <p:nvPr/>
         </p:nvSpPr>
         <p:spPr>
           <a:xfrm>
-            <a:off x="10781242" y="76824"/>
-            <a:ext cx="1335622" cy="323165"/>
+            <a:off x="0" y="107601"/>
+            <a:ext cx="1864613" cy="584775"/>
           </a:xfrm>
           <a:prstGeom prst="rect">
             <a:avLst/>
@@ -5026,100 +4461,14 @@
           <a:p>
             <a:pPr algn="ctr"/>
             <a:r>
-              <a:rPr lang="en-US" altLang="ko-KR" sz="900" b="1" dirty="0">
-                <a:ln w="22225">
-                  <a:noFill/>
-                </a:ln>
-                <a:solidFill>
-                  <a:schemeClr val="bg1"/>
-                </a:solidFill>
-                <a:effectLst>
-                  <a:glow rad="88900">
-                    <a:srgbClr val="E3781F">
-                      <a:alpha val="7000"/>
-                    </a:srgbClr>
-                  </a:glow>
-                </a:effectLst>
-                <a:latin typeface="나눔스퀘어" panose="020B0600000101010101" pitchFamily="50" charset="-127"/>
-                <a:ea typeface="나눔스퀘어" panose="020B0600000101010101" pitchFamily="50" charset="-127"/>
-              </a:rPr>
-              <a:t>Power Point Template</a:t>
-            </a:r>
-          </a:p>
-          <a:p>
-            <a:pPr algn="ctr"/>
-            <a:r>
-              <a:rPr lang="en-US" altLang="ko-KR" sz="600" dirty="0" err="1">
-                <a:ln w="22225">
-                  <a:noFill/>
-                </a:ln>
-                <a:solidFill>
-                  <a:schemeClr val="bg1"/>
-                </a:solidFill>
-                <a:effectLst>
-                  <a:glow rad="88900">
-                    <a:srgbClr val="E3781F">
-                      <a:alpha val="7000"/>
-                    </a:srgbClr>
-                  </a:glow>
-                </a:effectLst>
-                <a:latin typeface="나눔스퀘어" panose="020B0600000101010101" pitchFamily="50" charset="-127"/>
-                <a:ea typeface="나눔스퀘어" panose="020B0600000101010101" pitchFamily="50" charset="-127"/>
-              </a:rPr>
-              <a:t>Ponybuhagom</a:t>
-            </a:r>
-            <a:endParaRPr lang="en-US" altLang="ko-KR" sz="600" dirty="0">
-              <a:ln w="22225">
-                <a:noFill/>
-              </a:ln>
-              <a:solidFill>
-                <a:schemeClr val="bg1"/>
-              </a:solidFill>
-              <a:effectLst>
-                <a:glow rad="88900">
-                  <a:srgbClr val="E3781F">
-                    <a:alpha val="7000"/>
-                  </a:srgbClr>
-                </a:glow>
-              </a:effectLst>
-              <a:latin typeface="나눔스퀘어" panose="020B0600000101010101" pitchFamily="50" charset="-127"/>
-              <a:ea typeface="나눔스퀘어" panose="020B0600000101010101" pitchFamily="50" charset="-127"/>
-            </a:endParaRPr>
-          </a:p>
-        </p:txBody>
-      </p:sp>
-      <p:sp>
-        <p:nvSpPr>
-          <p:cNvPr id="16" name="TextBox 15"/>
-          <p:cNvSpPr txBox="1"/>
-          <p:nvPr/>
-        </p:nvSpPr>
-        <p:spPr>
-          <a:xfrm>
-            <a:off x="379160" y="229970"/>
-            <a:ext cx="1661032" cy="461665"/>
-          </a:xfrm>
-          <a:prstGeom prst="rect">
-            <a:avLst/>
-          </a:prstGeom>
-          <a:noFill/>
-        </p:spPr>
-        <p:txBody>
-          <a:bodyPr wrap="none" rtlCol="0">
-            <a:spAutoFit/>
-          </a:bodyPr>
-          <a:lstStyle/>
-          <a:p>
-            <a:pPr algn="ctr"/>
-            <a:r>
-              <a:rPr lang="en-US" altLang="ko-KR" sz="2400" spc="-150" dirty="0">
+              <a:rPr lang="en-US" altLang="ko-KR" sz="3200" spc="-150" dirty="0">
                 <a:solidFill>
                   <a:srgbClr val="FFFFFF"/>
                 </a:solidFill>
                 <a:latin typeface="나눔스퀘어 Bold" panose="020B0600000101010101" pitchFamily="50" charset="-127"/>
                 <a:ea typeface="나눔스퀘어 Bold" panose="020B0600000101010101" pitchFamily="50" charset="-127"/>
               </a:rPr>
-              <a:t>02 </a:t>
+              <a:t>02  </a:t>
             </a:r>
             <a:r>
               <a:rPr lang="ko-KR" altLang="en-US" sz="2400" spc="-150" dirty="0" err="1">
@@ -5742,14 +5091,14 @@
       </p:grpSpPr>
       <p:sp>
         <p:nvSpPr>
-          <p:cNvPr id="15" name="TextBox 14"/>
+          <p:cNvPr id="16" name="TextBox 15"/>
           <p:cNvSpPr txBox="1"/>
           <p:nvPr/>
         </p:nvSpPr>
         <p:spPr>
           <a:xfrm>
-            <a:off x="10781242" y="76824"/>
-            <a:ext cx="1335622" cy="323165"/>
+            <a:off x="0" y="86764"/>
+            <a:ext cx="1239442" cy="584775"/>
           </a:xfrm>
           <a:prstGeom prst="rect">
             <a:avLst/>
@@ -5764,91 +5113,15 @@
           <a:p>
             <a:pPr algn="ctr"/>
             <a:r>
-              <a:rPr lang="en-US" altLang="ko-KR" sz="900" b="1" dirty="0">
-                <a:ln w="22225">
-                  <a:noFill/>
-                </a:ln>
+              <a:rPr lang="en-US" altLang="ko-KR" sz="3200" spc="-150" dirty="0">
                 <a:solidFill>
-                  <a:schemeClr val="bg1"/>
+                  <a:srgbClr val="FFFFFF"/>
                 </a:solidFill>
-                <a:effectLst>
-                  <a:glow rad="88900">
-                    <a:srgbClr val="E3781F">
-                      <a:alpha val="7000"/>
-                    </a:srgbClr>
-                  </a:glow>
-                </a:effectLst>
-                <a:latin typeface="나눔스퀘어" panose="020B0600000101010101" pitchFamily="50" charset="-127"/>
-                <a:ea typeface="나눔스퀘어" panose="020B0600000101010101" pitchFamily="50" charset="-127"/>
-              </a:rPr>
-              <a:t>Power Point Template</a:t>
-            </a:r>
-          </a:p>
-          <a:p>
-            <a:pPr algn="ctr"/>
-            <a:r>
-              <a:rPr lang="en-US" altLang="ko-KR" sz="600" dirty="0" err="1">
-                <a:ln w="22225">
-                  <a:noFill/>
-                </a:ln>
-                <a:solidFill>
-                  <a:schemeClr val="bg1"/>
-                </a:solidFill>
-                <a:effectLst>
-                  <a:glow rad="88900">
-                    <a:srgbClr val="E3781F">
-                      <a:alpha val="7000"/>
-                    </a:srgbClr>
-                  </a:glow>
-                </a:effectLst>
-                <a:latin typeface="나눔스퀘어" panose="020B0600000101010101" pitchFamily="50" charset="-127"/>
-                <a:ea typeface="나눔스퀘어" panose="020B0600000101010101" pitchFamily="50" charset="-127"/>
-              </a:rPr>
-              <a:t>Ponybuhagom</a:t>
-            </a:r>
-            <a:endParaRPr lang="en-US" altLang="ko-KR" sz="600" dirty="0">
-              <a:ln w="22225">
-                <a:noFill/>
-              </a:ln>
-              <a:solidFill>
-                <a:schemeClr val="bg1"/>
-              </a:solidFill>
-              <a:effectLst>
-                <a:glow rad="88900">
-                  <a:srgbClr val="E3781F">
-                    <a:alpha val="7000"/>
-                  </a:srgbClr>
-                </a:glow>
-              </a:effectLst>
-              <a:latin typeface="나눔스퀘어" panose="020B0600000101010101" pitchFamily="50" charset="-127"/>
-              <a:ea typeface="나눔스퀘어" panose="020B0600000101010101" pitchFamily="50" charset="-127"/>
-            </a:endParaRPr>
-          </a:p>
-        </p:txBody>
-      </p:sp>
-      <p:sp>
-        <p:nvSpPr>
-          <p:cNvPr id="16" name="TextBox 15"/>
-          <p:cNvSpPr txBox="1"/>
-          <p:nvPr/>
-        </p:nvSpPr>
-        <p:spPr>
-          <a:xfrm>
-            <a:off x="665336" y="239909"/>
-            <a:ext cx="1083951" cy="461665"/>
-          </a:xfrm>
-          <a:prstGeom prst="rect">
-            <a:avLst/>
-          </a:prstGeom>
-          <a:noFill/>
-        </p:spPr>
-        <p:txBody>
-          <a:bodyPr wrap="none" rtlCol="0">
-            <a:spAutoFit/>
-          </a:bodyPr>
-          <a:lstStyle/>
-          <a:p>
-            <a:pPr algn="ctr"/>
+                <a:latin typeface="나눔스퀘어 Bold" panose="020B0600000101010101" pitchFamily="50" charset="-127"/>
+                <a:ea typeface="나눔스퀘어 Bold" panose="020B0600000101010101" pitchFamily="50" charset="-127"/>
+              </a:rPr>
+              <a:t>03</a:t>
+            </a:r>
             <a:r>
               <a:rPr lang="en-US" altLang="ko-KR" sz="2400" spc="-150" dirty="0">
                 <a:solidFill>
@@ -5857,7 +5130,7 @@
                 <a:latin typeface="나눔스퀘어 Bold" panose="020B0600000101010101" pitchFamily="50" charset="-127"/>
                 <a:ea typeface="나눔스퀘어 Bold" panose="020B0600000101010101" pitchFamily="50" charset="-127"/>
               </a:rPr>
-              <a:t>03 </a:t>
+              <a:t>  </a:t>
             </a:r>
             <a:r>
               <a:rPr lang="ko-KR" altLang="en-US" sz="2400" spc="-150" dirty="0">
@@ -6443,14 +5716,14 @@
       </p:grpSpPr>
       <p:sp>
         <p:nvSpPr>
-          <p:cNvPr id="15" name="TextBox 14"/>
+          <p:cNvPr id="16" name="TextBox 15"/>
           <p:cNvSpPr txBox="1"/>
           <p:nvPr/>
         </p:nvSpPr>
         <p:spPr>
           <a:xfrm>
-            <a:off x="10781242" y="76824"/>
-            <a:ext cx="1335622" cy="323165"/>
+            <a:off x="0" y="97661"/>
+            <a:ext cx="2154757" cy="584775"/>
           </a:xfrm>
           <a:prstGeom prst="rect">
             <a:avLst/>
@@ -6465,93 +5738,7 @@
           <a:p>
             <a:pPr algn="ctr"/>
             <a:r>
-              <a:rPr lang="en-US" altLang="ko-KR" sz="900" b="1" dirty="0">
-                <a:ln w="22225">
-                  <a:noFill/>
-                </a:ln>
-                <a:solidFill>
-                  <a:schemeClr val="bg1"/>
-                </a:solidFill>
-                <a:effectLst>
-                  <a:glow rad="88900">
-                    <a:srgbClr val="E3781F">
-                      <a:alpha val="7000"/>
-                    </a:srgbClr>
-                  </a:glow>
-                </a:effectLst>
-                <a:latin typeface="나눔스퀘어" panose="020B0600000101010101" pitchFamily="50" charset="-127"/>
-                <a:ea typeface="나눔스퀘어" panose="020B0600000101010101" pitchFamily="50" charset="-127"/>
-              </a:rPr>
-              <a:t>Power Point Template</a:t>
-            </a:r>
-          </a:p>
-          <a:p>
-            <a:pPr algn="ctr"/>
-            <a:r>
-              <a:rPr lang="en-US" altLang="ko-KR" sz="600" dirty="0" err="1">
-                <a:ln w="22225">
-                  <a:noFill/>
-                </a:ln>
-                <a:solidFill>
-                  <a:schemeClr val="bg1"/>
-                </a:solidFill>
-                <a:effectLst>
-                  <a:glow rad="88900">
-                    <a:srgbClr val="E3781F">
-                      <a:alpha val="7000"/>
-                    </a:srgbClr>
-                  </a:glow>
-                </a:effectLst>
-                <a:latin typeface="나눔스퀘어" panose="020B0600000101010101" pitchFamily="50" charset="-127"/>
-                <a:ea typeface="나눔스퀘어" panose="020B0600000101010101" pitchFamily="50" charset="-127"/>
-              </a:rPr>
-              <a:t>Ponybuhagom</a:t>
-            </a:r>
-            <a:endParaRPr lang="en-US" altLang="ko-KR" sz="600" dirty="0">
-              <a:ln w="22225">
-                <a:noFill/>
-              </a:ln>
-              <a:solidFill>
-                <a:schemeClr val="bg1"/>
-              </a:solidFill>
-              <a:effectLst>
-                <a:glow rad="88900">
-                  <a:srgbClr val="E3781F">
-                    <a:alpha val="7000"/>
-                  </a:srgbClr>
-                </a:glow>
-              </a:effectLst>
-              <a:latin typeface="나눔스퀘어" panose="020B0600000101010101" pitchFamily="50" charset="-127"/>
-              <a:ea typeface="나눔스퀘어" panose="020B0600000101010101" pitchFamily="50" charset="-127"/>
-            </a:endParaRPr>
-          </a:p>
-        </p:txBody>
-      </p:sp>
-      <p:sp>
-        <p:nvSpPr>
-          <p:cNvPr id="16" name="TextBox 15"/>
-          <p:cNvSpPr txBox="1"/>
-          <p:nvPr/>
-        </p:nvSpPr>
-        <p:spPr>
-          <a:xfrm>
-            <a:off x="182834" y="239909"/>
-            <a:ext cx="2048959" cy="461665"/>
-          </a:xfrm>
-          <a:prstGeom prst="rect">
-            <a:avLst/>
-          </a:prstGeom>
-          <a:noFill/>
-        </p:spPr>
-        <p:txBody>
-          <a:bodyPr wrap="none" rtlCol="0">
-            <a:spAutoFit/>
-          </a:bodyPr>
-          <a:lstStyle/>
-          <a:p>
-            <a:pPr algn="ctr"/>
-            <a:r>
-              <a:rPr lang="en-US" altLang="ko-KR" sz="2400" spc="-150" dirty="0">
+              <a:rPr lang="en-US" altLang="ko-KR" sz="3200" spc="-150" dirty="0">
                 <a:solidFill>
                   <a:srgbClr val="FFFFFF"/>
                 </a:solidFill>
@@ -6559,6 +5746,16 @@
                 <a:ea typeface="나눔스퀘어 Bold" panose="020B0600000101010101" pitchFamily="50" charset="-127"/>
               </a:rPr>
               <a:t>0</a:t>
+            </a:r>
+            <a:r>
+              <a:rPr lang="en-US" altLang="ko-KR" sz="3200" b="1" spc="-150" dirty="0">
+                <a:solidFill>
+                  <a:srgbClr val="FFFFFF"/>
+                </a:solidFill>
+                <a:latin typeface="나눔스퀘어 Bold" panose="020B0600000101010101" pitchFamily="50" charset="-127"/>
+                <a:ea typeface="나눔스퀘어 Bold" panose="020B0600000101010101" pitchFamily="50" charset="-127"/>
+              </a:rPr>
+              <a:t>4</a:t>
             </a:r>
             <a:r>
               <a:rPr lang="en-US" altLang="ko-KR" sz="2400" b="1" spc="-150" dirty="0">
@@ -6568,7 +5765,7 @@
                 <a:latin typeface="나눔스퀘어 Bold" panose="020B0600000101010101" pitchFamily="50" charset="-127"/>
                 <a:ea typeface="나눔스퀘어 Bold" panose="020B0600000101010101" pitchFamily="50" charset="-127"/>
               </a:rPr>
-              <a:t>4 </a:t>
+              <a:t>  </a:t>
             </a:r>
             <a:r>
               <a:rPr lang="ko-KR" altLang="en-US" sz="2400" b="1" spc="-150" dirty="0">
@@ -7565,14 +6762,14 @@
       </p:grpSpPr>
       <p:sp>
         <p:nvSpPr>
-          <p:cNvPr id="15" name="TextBox 14"/>
+          <p:cNvPr id="16" name="TextBox 15"/>
           <p:cNvSpPr txBox="1"/>
           <p:nvPr/>
         </p:nvSpPr>
         <p:spPr>
           <a:xfrm>
-            <a:off x="10781242" y="76824"/>
-            <a:ext cx="1335622" cy="323165"/>
+            <a:off x="0" y="107601"/>
+            <a:ext cx="2154757" cy="584775"/>
           </a:xfrm>
           <a:prstGeom prst="rect">
             <a:avLst/>
@@ -7587,93 +6784,7 @@
           <a:p>
             <a:pPr algn="ctr"/>
             <a:r>
-              <a:rPr lang="en-US" altLang="ko-KR" sz="900" b="1" dirty="0">
-                <a:ln w="22225">
-                  <a:noFill/>
-                </a:ln>
-                <a:solidFill>
-                  <a:schemeClr val="bg1"/>
-                </a:solidFill>
-                <a:effectLst>
-                  <a:glow rad="88900">
-                    <a:srgbClr val="E3781F">
-                      <a:alpha val="7000"/>
-                    </a:srgbClr>
-                  </a:glow>
-                </a:effectLst>
-                <a:latin typeface="나눔스퀘어" panose="020B0600000101010101" pitchFamily="50" charset="-127"/>
-                <a:ea typeface="나눔스퀘어" panose="020B0600000101010101" pitchFamily="50" charset="-127"/>
-              </a:rPr>
-              <a:t>Power Point Template</a:t>
-            </a:r>
-          </a:p>
-          <a:p>
-            <a:pPr algn="ctr"/>
-            <a:r>
-              <a:rPr lang="en-US" altLang="ko-KR" sz="600" dirty="0" err="1">
-                <a:ln w="22225">
-                  <a:noFill/>
-                </a:ln>
-                <a:solidFill>
-                  <a:schemeClr val="bg1"/>
-                </a:solidFill>
-                <a:effectLst>
-                  <a:glow rad="88900">
-                    <a:srgbClr val="E3781F">
-                      <a:alpha val="7000"/>
-                    </a:srgbClr>
-                  </a:glow>
-                </a:effectLst>
-                <a:latin typeface="나눔스퀘어" panose="020B0600000101010101" pitchFamily="50" charset="-127"/>
-                <a:ea typeface="나눔스퀘어" panose="020B0600000101010101" pitchFamily="50" charset="-127"/>
-              </a:rPr>
-              <a:t>Ponybuhagom</a:t>
-            </a:r>
-            <a:endParaRPr lang="en-US" altLang="ko-KR" sz="600" dirty="0">
-              <a:ln w="22225">
-                <a:noFill/>
-              </a:ln>
-              <a:solidFill>
-                <a:schemeClr val="bg1"/>
-              </a:solidFill>
-              <a:effectLst>
-                <a:glow rad="88900">
-                  <a:srgbClr val="E3781F">
-                    <a:alpha val="7000"/>
-                  </a:srgbClr>
-                </a:glow>
-              </a:effectLst>
-              <a:latin typeface="나눔스퀘어" panose="020B0600000101010101" pitchFamily="50" charset="-127"/>
-              <a:ea typeface="나눔스퀘어" panose="020B0600000101010101" pitchFamily="50" charset="-127"/>
-            </a:endParaRPr>
-          </a:p>
-        </p:txBody>
-      </p:sp>
-      <p:sp>
-        <p:nvSpPr>
-          <p:cNvPr id="16" name="TextBox 15"/>
-          <p:cNvSpPr txBox="1"/>
-          <p:nvPr/>
-        </p:nvSpPr>
-        <p:spPr>
-          <a:xfrm>
-            <a:off x="182834" y="239909"/>
-            <a:ext cx="2048959" cy="461665"/>
-          </a:xfrm>
-          <a:prstGeom prst="rect">
-            <a:avLst/>
-          </a:prstGeom>
-          <a:noFill/>
-        </p:spPr>
-        <p:txBody>
-          <a:bodyPr wrap="none" rtlCol="0">
-            <a:spAutoFit/>
-          </a:bodyPr>
-          <a:lstStyle/>
-          <a:p>
-            <a:pPr algn="ctr"/>
-            <a:r>
-              <a:rPr lang="en-US" altLang="ko-KR" sz="2400" spc="-150" dirty="0">
+              <a:rPr lang="en-US" altLang="ko-KR" sz="3200" spc="-150" dirty="0">
                 <a:solidFill>
                   <a:srgbClr val="FFFFFF"/>
                 </a:solidFill>
@@ -7681,6 +6792,16 @@
                 <a:ea typeface="나눔스퀘어 Bold" panose="020B0600000101010101" pitchFamily="50" charset="-127"/>
               </a:rPr>
               <a:t>0</a:t>
+            </a:r>
+            <a:r>
+              <a:rPr lang="en-US" altLang="ko-KR" sz="3200" b="1" spc="-150" dirty="0">
+                <a:solidFill>
+                  <a:srgbClr val="FFFFFF"/>
+                </a:solidFill>
+                <a:latin typeface="나눔스퀘어 Bold" panose="020B0600000101010101" pitchFamily="50" charset="-127"/>
+                <a:ea typeface="나눔스퀘어 Bold" panose="020B0600000101010101" pitchFamily="50" charset="-127"/>
+              </a:rPr>
+              <a:t>4</a:t>
             </a:r>
             <a:r>
               <a:rPr lang="en-US" altLang="ko-KR" sz="2400" b="1" spc="-150" dirty="0">
@@ -7690,7 +6811,7 @@
                 <a:latin typeface="나눔스퀘어 Bold" panose="020B0600000101010101" pitchFamily="50" charset="-127"/>
                 <a:ea typeface="나눔스퀘어 Bold" panose="020B0600000101010101" pitchFamily="50" charset="-127"/>
               </a:rPr>
-              <a:t>4 </a:t>
+              <a:t>  </a:t>
             </a:r>
             <a:r>
               <a:rPr lang="ko-KR" altLang="en-US" sz="2400" b="1" spc="-150" dirty="0">
